--- a/프로젝트_수정.pptx
+++ b/프로젝트_수정.pptx
@@ -7,11 +7,12 @@
   <p:sldIdLst>
     <p:sldId id="256" r:id="rId2"/>
     <p:sldId id="258" r:id="rId3"/>
-    <p:sldId id="259" r:id="rId4"/>
-    <p:sldId id="261" r:id="rId5"/>
-    <p:sldId id="262" r:id="rId6"/>
-    <p:sldId id="263" r:id="rId7"/>
-    <p:sldId id="257" r:id="rId8"/>
+    <p:sldId id="264" r:id="rId4"/>
+    <p:sldId id="259" r:id="rId5"/>
+    <p:sldId id="261" r:id="rId6"/>
+    <p:sldId id="262" r:id="rId7"/>
+    <p:sldId id="263" r:id="rId8"/>
+    <p:sldId id="257" r:id="rId9"/>
   </p:sldIdLst>
   <p:sldSz cx="12192000" cy="6858000"/>
   <p:notesSz cx="6858000" cy="9144000"/>
@@ -3979,332 +3980,117 @@
       </p:grpSpPr>
       <p:sp>
         <p:nvSpPr>
-          <p:cNvPr id="4" name="TextBox 3"/>
-          <p:cNvSpPr txBox="1"/>
+          <p:cNvPr id="3" name="직사각형 2"/>
+          <p:cNvSpPr/>
           <p:nvPr/>
         </p:nvSpPr>
         <p:spPr>
           <a:xfrm>
-            <a:off x="490330" y="149087"/>
-            <a:ext cx="10473188" cy="6001643"/>
+            <a:off x="914400" y="391859"/>
+            <a:ext cx="10477500" cy="5893319"/>
           </a:xfrm>
           <a:prstGeom prst="rect">
             <a:avLst/>
           </a:prstGeom>
-          <a:noFill/>
         </p:spPr>
+        <p:style>
+          <a:lnRef idx="2">
+            <a:schemeClr val="accent4"/>
+          </a:lnRef>
+          <a:fillRef idx="1">
+            <a:schemeClr val="lt1"/>
+          </a:fillRef>
+          <a:effectRef idx="0">
+            <a:schemeClr val="accent4"/>
+          </a:effectRef>
+          <a:fontRef idx="minor">
+            <a:schemeClr val="dk1"/>
+          </a:fontRef>
+        </p:style>
         <p:txBody>
-          <a:bodyPr wrap="none" rtlCol="0">
-            <a:spAutoFit/>
-          </a:bodyPr>
+          <a:bodyPr rtlCol="0" anchor="t"/>
           <a:lstStyle/>
           <a:p>
-            <a:pPr>
-              <a:lnSpc>
-                <a:spcPct val="150000"/>
-              </a:lnSpc>
-            </a:pPr>
-            <a:r>
-              <a:rPr lang="en-US" altLang="ko-KR" sz="2800" b="1" dirty="0"/>
-              <a:t>Person</a:t>
-            </a:r>
-          </a:p>
-          <a:p>
-            <a:pPr marL="285750" indent="-285750">
-              <a:lnSpc>
-                <a:spcPct val="150000"/>
-              </a:lnSpc>
-              <a:buFont typeface="Arial" panose="020B0604020202020204" pitchFamily="34" charset="0"/>
-              <a:buChar char="•"/>
-            </a:pPr>
-            <a:r>
-              <a:rPr lang="ko-KR" altLang="en-US" dirty="0"/>
-              <a:t>사람을 나타내는 클래스 </a:t>
-            </a:r>
-            <a:endParaRPr lang="en-US" altLang="ko-KR" dirty="0"/>
-          </a:p>
-          <a:p>
-            <a:pPr>
-              <a:lnSpc>
-                <a:spcPct val="150000"/>
-              </a:lnSpc>
-            </a:pPr>
-            <a:endParaRPr lang="en-US" altLang="ko-KR" dirty="0"/>
-          </a:p>
-          <a:p>
-            <a:pPr>
-              <a:lnSpc>
-                <a:spcPct val="150000"/>
-              </a:lnSpc>
-            </a:pPr>
-            <a:r>
-              <a:rPr lang="ko-KR" altLang="en-US" sz="2400" dirty="0"/>
-              <a:t>멤버 변수</a:t>
-            </a:r>
-            <a:endParaRPr lang="en-US" altLang="ko-KR" sz="2400" dirty="0"/>
-          </a:p>
-          <a:p>
-            <a:pPr marL="285750" indent="-285750">
-              <a:lnSpc>
-                <a:spcPct val="150000"/>
-              </a:lnSpc>
-              <a:buFont typeface="Arial" panose="020B0604020202020204" pitchFamily="34" charset="0"/>
-              <a:buChar char="•"/>
-            </a:pPr>
-            <a:r>
-              <a:rPr lang="en-US" altLang="ko-KR" dirty="0"/>
-              <a:t>string</a:t>
-            </a:r>
-            <a:r>
-              <a:rPr lang="ko-KR" altLang="en-US" dirty="0"/>
-              <a:t>형으로 사람의 이름을 저장한다</a:t>
-            </a:r>
-            <a:r>
-              <a:rPr lang="en-US" altLang="ko-KR" dirty="0"/>
-              <a:t>.</a:t>
-            </a:r>
-          </a:p>
-          <a:p>
-            <a:pPr marL="285750" indent="-285750">
-              <a:lnSpc>
-                <a:spcPct val="150000"/>
-              </a:lnSpc>
-              <a:buFont typeface="Arial" panose="020B0604020202020204" pitchFamily="34" charset="0"/>
-              <a:buChar char="•"/>
-            </a:pPr>
-            <a:r>
-              <a:rPr lang="en-US" altLang="ko-KR" dirty="0"/>
-              <a:t>string</a:t>
-            </a:r>
-            <a:r>
-              <a:rPr lang="ko-KR" altLang="en-US" dirty="0"/>
-              <a:t>형으로 사람의 </a:t>
-            </a:r>
-            <a:r>
-              <a:rPr lang="en-US" altLang="ko-KR" dirty="0"/>
-              <a:t>email</a:t>
-            </a:r>
-            <a:r>
-              <a:rPr lang="ko-KR" altLang="en-US" dirty="0"/>
-              <a:t>을 저장한다</a:t>
-            </a:r>
-            <a:r>
-              <a:rPr lang="en-US" altLang="ko-KR" dirty="0"/>
-              <a:t>.</a:t>
-            </a:r>
-          </a:p>
-          <a:p>
-            <a:pPr>
-              <a:lnSpc>
-                <a:spcPct val="150000"/>
-              </a:lnSpc>
-            </a:pPr>
-            <a:endParaRPr lang="en-US" altLang="ko-KR" dirty="0"/>
-          </a:p>
-          <a:p>
-            <a:pPr>
-              <a:lnSpc>
-                <a:spcPct val="150000"/>
-              </a:lnSpc>
-            </a:pPr>
-            <a:r>
-              <a:rPr lang="ko-KR" altLang="en-US" sz="2400" dirty="0"/>
-              <a:t>멤버 함수</a:t>
-            </a:r>
-            <a:endParaRPr lang="en-US" altLang="ko-KR" sz="2400" dirty="0"/>
-          </a:p>
-          <a:p>
-            <a:pPr marL="285750" indent="-285750">
-              <a:lnSpc>
-                <a:spcPct val="150000"/>
-              </a:lnSpc>
-              <a:buFont typeface="Arial" panose="020B0604020202020204" pitchFamily="34" charset="0"/>
-              <a:buChar char="•"/>
-            </a:pPr>
-            <a:r>
-              <a:rPr lang="en-US" altLang="ko-KR" dirty="0"/>
-              <a:t>Person(string name_ , string email_) : name, email</a:t>
-            </a:r>
-            <a:r>
-              <a:rPr lang="ko-KR" altLang="en-US" dirty="0"/>
-              <a:t>의 값을 받아</a:t>
-            </a:r>
-            <a:r>
-              <a:rPr lang="en-US" altLang="ko-KR" dirty="0"/>
-              <a:t>,</a:t>
-            </a:r>
-            <a:r>
-              <a:rPr lang="ko-KR" altLang="en-US" dirty="0"/>
-              <a:t> 멤버 변수를 초기화 하는 생성자</a:t>
-            </a:r>
-            <a:endParaRPr lang="en-US" altLang="ko-KR" dirty="0"/>
-          </a:p>
-          <a:p>
-            <a:pPr marL="285750" indent="-285750">
-              <a:lnSpc>
-                <a:spcPct val="150000"/>
-              </a:lnSpc>
-              <a:buFont typeface="Arial" panose="020B0604020202020204" pitchFamily="34" charset="0"/>
-              <a:buChar char="•"/>
-            </a:pPr>
-            <a:r>
-              <a:rPr lang="en-US" altLang="ko-KR" dirty="0"/>
-              <a:t>string Person::</a:t>
-            </a:r>
-            <a:r>
-              <a:rPr lang="en-US" altLang="ko-KR" dirty="0" err="1"/>
-              <a:t>getName</a:t>
-            </a:r>
-            <a:r>
-              <a:rPr lang="en-US" altLang="ko-KR" dirty="0"/>
-              <a:t>() </a:t>
-            </a:r>
-            <a:r>
-              <a:rPr lang="en-US" altLang="ko-KR" dirty="0" err="1"/>
-              <a:t>const</a:t>
-            </a:r>
-            <a:r>
-              <a:rPr lang="en-US" altLang="ko-KR" dirty="0"/>
-              <a:t> : </a:t>
-            </a:r>
-            <a:r>
-              <a:rPr lang="ko-KR" altLang="en-US" dirty="0"/>
-              <a:t>사람의 </a:t>
-            </a:r>
-            <a:r>
-              <a:rPr lang="en-US" altLang="ko-KR" dirty="0"/>
-              <a:t>name</a:t>
-            </a:r>
-            <a:r>
-              <a:rPr lang="ko-KR" altLang="en-US" dirty="0"/>
-              <a:t>을 반환</a:t>
-            </a:r>
-            <a:endParaRPr lang="en-US" altLang="ko-KR" dirty="0"/>
-          </a:p>
-          <a:p>
-            <a:pPr marL="285750" indent="-285750">
-              <a:lnSpc>
-                <a:spcPct val="150000"/>
-              </a:lnSpc>
-              <a:buFont typeface="Arial" panose="020B0604020202020204" pitchFamily="34" charset="0"/>
-              <a:buChar char="•"/>
-            </a:pPr>
-            <a:r>
-              <a:rPr lang="en-US" altLang="ko-KR" dirty="0"/>
-              <a:t>string Person::</a:t>
-            </a:r>
-            <a:r>
-              <a:rPr lang="en-US" altLang="ko-KR" dirty="0" err="1"/>
-              <a:t>getEmail</a:t>
-            </a:r>
-            <a:r>
-              <a:rPr lang="en-US" altLang="ko-KR" dirty="0"/>
-              <a:t>() </a:t>
-            </a:r>
-            <a:r>
-              <a:rPr lang="en-US" altLang="ko-KR" dirty="0" err="1"/>
-              <a:t>const</a:t>
-            </a:r>
-            <a:r>
-              <a:rPr lang="en-US" altLang="ko-KR" dirty="0"/>
-              <a:t> : </a:t>
-            </a:r>
-            <a:r>
-              <a:rPr lang="ko-KR" altLang="en-US" dirty="0"/>
-              <a:t>사람의 </a:t>
-            </a:r>
-            <a:r>
-              <a:rPr lang="en-US" altLang="ko-KR" dirty="0"/>
-              <a:t>email</a:t>
-            </a:r>
-            <a:r>
-              <a:rPr lang="ko-KR" altLang="en-US" dirty="0"/>
-              <a:t>을 반환</a:t>
-            </a:r>
-            <a:endParaRPr lang="en-US" altLang="ko-KR" dirty="0"/>
-          </a:p>
-          <a:p>
-            <a:pPr marL="285750" indent="-285750">
-              <a:lnSpc>
-                <a:spcPct val="150000"/>
-              </a:lnSpc>
-              <a:buFont typeface="Arial" panose="020B0604020202020204" pitchFamily="34" charset="0"/>
-              <a:buChar char="•"/>
-            </a:pPr>
-            <a:r>
-              <a:rPr lang="en-US" altLang="ko-KR" dirty="0"/>
-              <a:t>void Person::</a:t>
-            </a:r>
-            <a:r>
-              <a:rPr lang="en-US" altLang="ko-KR" dirty="0" err="1"/>
-              <a:t>setName</a:t>
-            </a:r>
-            <a:r>
-              <a:rPr lang="en-US" altLang="ko-KR" dirty="0"/>
-              <a:t>(</a:t>
-            </a:r>
-            <a:r>
-              <a:rPr lang="en-US" altLang="ko-KR" dirty="0" err="1"/>
-              <a:t>const</a:t>
-            </a:r>
-            <a:r>
-              <a:rPr lang="en-US" altLang="ko-KR" dirty="0"/>
-              <a:t> string </a:t>
-            </a:r>
-            <a:r>
-              <a:rPr lang="en-US" altLang="ko-KR" dirty="0" err="1"/>
-              <a:t>new_name</a:t>
-            </a:r>
-            <a:r>
-              <a:rPr lang="en-US" altLang="ko-KR" dirty="0"/>
-              <a:t>) : name</a:t>
-            </a:r>
-            <a:r>
-              <a:rPr lang="ko-KR" altLang="en-US" dirty="0"/>
-              <a:t>을 설정</a:t>
-            </a:r>
-            <a:endParaRPr lang="en-US" altLang="ko-KR" dirty="0"/>
-          </a:p>
-          <a:p>
-            <a:pPr marL="285750" indent="-285750">
-              <a:lnSpc>
-                <a:spcPct val="150000"/>
-              </a:lnSpc>
-              <a:buFont typeface="Arial" panose="020B0604020202020204" pitchFamily="34" charset="0"/>
-              <a:buChar char="•"/>
-            </a:pPr>
-            <a:r>
-              <a:rPr lang="en-US" altLang="ko-KR" dirty="0"/>
-              <a:t>void Person::</a:t>
-            </a:r>
-            <a:r>
-              <a:rPr lang="en-US" altLang="ko-KR" dirty="0" err="1"/>
-              <a:t>setEmail</a:t>
-            </a:r>
-            <a:r>
-              <a:rPr lang="en-US" altLang="ko-KR" dirty="0"/>
-              <a:t>(</a:t>
-            </a:r>
-            <a:r>
-              <a:rPr lang="en-US" altLang="ko-KR" dirty="0" err="1"/>
-              <a:t>const</a:t>
-            </a:r>
-            <a:r>
-              <a:rPr lang="en-US" altLang="ko-KR" dirty="0"/>
-              <a:t> string </a:t>
-            </a:r>
-            <a:r>
-              <a:rPr lang="en-US" altLang="ko-KR" dirty="0" err="1"/>
-              <a:t>new_email</a:t>
-            </a:r>
-            <a:r>
-              <a:rPr lang="en-US" altLang="ko-KR" dirty="0"/>
-              <a:t>) : email</a:t>
-            </a:r>
-            <a:r>
-              <a:rPr lang="ko-KR" altLang="en-US" dirty="0"/>
-              <a:t>을 설정</a:t>
-            </a:r>
+            <a:r>
+              <a:rPr lang="en-US" altLang="ko-KR" dirty="0"/>
+              <a:t>Main</a:t>
+            </a:r>
+            <a:r>
+              <a:rPr lang="en-US" altLang="ko-KR" sz="1013" dirty="0"/>
+              <a:t>:</a:t>
+            </a:r>
+          </a:p>
+          <a:p>
+            <a:endParaRPr lang="en-US" altLang="ko-KR" sz="1013" dirty="0" smtClean="0"/>
+          </a:p>
+          <a:p>
+            <a:endParaRPr lang="en-US" altLang="ko-KR" sz="1013" dirty="0"/>
+          </a:p>
+          <a:p>
+            <a:r>
+              <a:rPr lang="ko-KR" altLang="en-US" sz="1013" dirty="0" smtClean="0"/>
+              <a:t>변수</a:t>
+            </a:r>
+            <a:endParaRPr lang="en-US" altLang="ko-KR" sz="1013" dirty="0" smtClean="0"/>
+          </a:p>
+          <a:p>
+            <a:pPr lvl="1"/>
+            <a:r>
+              <a:rPr lang="en-US" altLang="ko-KR" sz="1013" dirty="0" err="1" smtClean="0"/>
+              <a:t>u</a:t>
+            </a:r>
+            <a:r>
+              <a:rPr lang="en-US" altLang="ko-KR" sz="1013" dirty="0" err="1" smtClean="0"/>
+              <a:t>nordered_map</a:t>
+            </a:r>
+            <a:r>
+              <a:rPr lang="en-US" altLang="ko-KR" sz="1013" dirty="0" smtClean="0"/>
+              <a:t>&lt;Room&gt; </a:t>
+            </a:r>
+            <a:r>
+              <a:rPr lang="en-US" altLang="ko-KR" sz="1013" dirty="0" err="1" smtClean="0"/>
+              <a:t>roomList</a:t>
+            </a:r>
+            <a:endParaRPr lang="en-US" altLang="ko-KR" sz="1013" dirty="0" smtClean="0"/>
+          </a:p>
+          <a:p>
+            <a:pPr lvl="1"/>
+            <a:r>
+              <a:rPr lang="en-US" altLang="ko-KR" sz="1013" dirty="0" err="1" smtClean="0"/>
+              <a:t>unordered_map</a:t>
+            </a:r>
+            <a:r>
+              <a:rPr lang="en-US" altLang="ko-KR" sz="1013" dirty="0" smtClean="0"/>
+              <a:t>&lt;Meeting&gt; </a:t>
+            </a:r>
+            <a:r>
+              <a:rPr lang="en-US" altLang="ko-KR" sz="1013" dirty="0" err="1" smtClean="0"/>
+              <a:t>meetingList</a:t>
+            </a:r>
+            <a:endParaRPr lang="en-US" altLang="ko-KR" sz="1013" dirty="0" smtClean="0"/>
+          </a:p>
+          <a:p>
+            <a:pPr lvl="1"/>
+            <a:r>
+              <a:rPr lang="en-US" altLang="ko-KR" sz="1013" dirty="0" err="1" smtClean="0"/>
+              <a:t>Unordered_map</a:t>
+            </a:r>
+            <a:r>
+              <a:rPr lang="en-US" altLang="ko-KR" sz="1013" dirty="0" smtClean="0"/>
+              <a:t>&lt;People&gt; </a:t>
+            </a:r>
+            <a:r>
+              <a:rPr lang="en-US" altLang="ko-KR" sz="1013" dirty="0" err="1" smtClean="0"/>
+              <a:t>personList</a:t>
+            </a:r>
+            <a:endParaRPr lang="en-US" altLang="ko-KR" sz="1013" dirty="0"/>
+          </a:p>
+          <a:p>
+            <a:pPr lvl="1"/>
+            <a:endParaRPr lang="en-US" altLang="ko-KR" sz="1600" dirty="0" smtClean="0"/>
+          </a:p>
+          <a:p>
+            <a:endParaRPr lang="en-US" altLang="ko-KR" sz="1013" dirty="0"/>
           </a:p>
         </p:txBody>
       </p:sp>
@@ -4346,6 +4132,367 @@
         </p:nvSpPr>
         <p:spPr>
           <a:xfrm>
+            <a:off x="490330" y="149087"/>
+            <a:ext cx="10473188" cy="6001643"/>
+          </a:xfrm>
+          <a:prstGeom prst="rect">
+            <a:avLst/>
+          </a:prstGeom>
+          <a:noFill/>
+        </p:spPr>
+        <p:txBody>
+          <a:bodyPr wrap="none" rtlCol="0">
+            <a:spAutoFit/>
+          </a:bodyPr>
+          <a:lstStyle/>
+          <a:p>
+            <a:pPr>
+              <a:lnSpc>
+                <a:spcPct val="150000"/>
+              </a:lnSpc>
+            </a:pPr>
+            <a:r>
+              <a:rPr lang="en-US" altLang="ko-KR" sz="2800" b="1" dirty="0"/>
+              <a:t>Person</a:t>
+            </a:r>
+          </a:p>
+          <a:p>
+            <a:pPr marL="285750" indent="-285750">
+              <a:lnSpc>
+                <a:spcPct val="150000"/>
+              </a:lnSpc>
+              <a:buFont typeface="Arial" panose="020B0604020202020204" pitchFamily="34" charset="0"/>
+              <a:buChar char="•"/>
+            </a:pPr>
+            <a:r>
+              <a:rPr lang="ko-KR" altLang="en-US" dirty="0"/>
+              <a:t>사람을 나타내는 클래스 </a:t>
+            </a:r>
+            <a:endParaRPr lang="en-US" altLang="ko-KR" dirty="0"/>
+          </a:p>
+          <a:p>
+            <a:pPr>
+              <a:lnSpc>
+                <a:spcPct val="150000"/>
+              </a:lnSpc>
+            </a:pPr>
+            <a:endParaRPr lang="en-US" altLang="ko-KR" dirty="0"/>
+          </a:p>
+          <a:p>
+            <a:pPr>
+              <a:lnSpc>
+                <a:spcPct val="150000"/>
+              </a:lnSpc>
+            </a:pPr>
+            <a:r>
+              <a:rPr lang="ko-KR" altLang="en-US" sz="2400" dirty="0"/>
+              <a:t>멤버 변수</a:t>
+            </a:r>
+            <a:endParaRPr lang="en-US" altLang="ko-KR" sz="2400" dirty="0"/>
+          </a:p>
+          <a:p>
+            <a:pPr marL="285750" indent="-285750">
+              <a:lnSpc>
+                <a:spcPct val="150000"/>
+              </a:lnSpc>
+              <a:buFont typeface="Arial" panose="020B0604020202020204" pitchFamily="34" charset="0"/>
+              <a:buChar char="•"/>
+            </a:pPr>
+            <a:r>
+              <a:rPr lang="en-US" altLang="ko-KR" dirty="0"/>
+              <a:t>string</a:t>
+            </a:r>
+            <a:r>
+              <a:rPr lang="ko-KR" altLang="en-US" dirty="0"/>
+              <a:t>형으로 사람의 이름을 저장한다</a:t>
+            </a:r>
+            <a:r>
+              <a:rPr lang="en-US" altLang="ko-KR" dirty="0"/>
+              <a:t>.</a:t>
+            </a:r>
+          </a:p>
+          <a:p>
+            <a:pPr marL="285750" indent="-285750">
+              <a:lnSpc>
+                <a:spcPct val="150000"/>
+              </a:lnSpc>
+              <a:buFont typeface="Arial" panose="020B0604020202020204" pitchFamily="34" charset="0"/>
+              <a:buChar char="•"/>
+            </a:pPr>
+            <a:r>
+              <a:rPr lang="en-US" altLang="ko-KR" dirty="0"/>
+              <a:t>string</a:t>
+            </a:r>
+            <a:r>
+              <a:rPr lang="ko-KR" altLang="en-US" dirty="0"/>
+              <a:t>형으로 사람의 </a:t>
+            </a:r>
+            <a:r>
+              <a:rPr lang="en-US" altLang="ko-KR" dirty="0"/>
+              <a:t>email</a:t>
+            </a:r>
+            <a:r>
+              <a:rPr lang="ko-KR" altLang="en-US" dirty="0"/>
+              <a:t>을 저장한다</a:t>
+            </a:r>
+            <a:r>
+              <a:rPr lang="en-US" altLang="ko-KR" dirty="0"/>
+              <a:t>.</a:t>
+            </a:r>
+          </a:p>
+          <a:p>
+            <a:pPr>
+              <a:lnSpc>
+                <a:spcPct val="150000"/>
+              </a:lnSpc>
+            </a:pPr>
+            <a:endParaRPr lang="en-US" altLang="ko-KR" dirty="0"/>
+          </a:p>
+          <a:p>
+            <a:pPr>
+              <a:lnSpc>
+                <a:spcPct val="150000"/>
+              </a:lnSpc>
+            </a:pPr>
+            <a:r>
+              <a:rPr lang="ko-KR" altLang="en-US" sz="2400" dirty="0"/>
+              <a:t>멤버 함수</a:t>
+            </a:r>
+            <a:endParaRPr lang="en-US" altLang="ko-KR" sz="2400" dirty="0"/>
+          </a:p>
+          <a:p>
+            <a:pPr marL="285750" indent="-285750">
+              <a:lnSpc>
+                <a:spcPct val="150000"/>
+              </a:lnSpc>
+              <a:buFont typeface="Arial" panose="020B0604020202020204" pitchFamily="34" charset="0"/>
+              <a:buChar char="•"/>
+            </a:pPr>
+            <a:r>
+              <a:rPr lang="en-US" altLang="ko-KR" dirty="0"/>
+              <a:t>Person(string name_ , string email_) : name, email</a:t>
+            </a:r>
+            <a:r>
+              <a:rPr lang="ko-KR" altLang="en-US" dirty="0"/>
+              <a:t>의 값을 받아</a:t>
+            </a:r>
+            <a:r>
+              <a:rPr lang="en-US" altLang="ko-KR" dirty="0"/>
+              <a:t>,</a:t>
+            </a:r>
+            <a:r>
+              <a:rPr lang="ko-KR" altLang="en-US" dirty="0"/>
+              <a:t> 멤버 변수를 초기화 하는 생성자</a:t>
+            </a:r>
+            <a:endParaRPr lang="en-US" altLang="ko-KR" dirty="0"/>
+          </a:p>
+          <a:p>
+            <a:pPr marL="285750" indent="-285750">
+              <a:lnSpc>
+                <a:spcPct val="150000"/>
+              </a:lnSpc>
+              <a:buFont typeface="Arial" panose="020B0604020202020204" pitchFamily="34" charset="0"/>
+              <a:buChar char="•"/>
+            </a:pPr>
+            <a:r>
+              <a:rPr lang="en-US" altLang="ko-KR" dirty="0"/>
+              <a:t>string Person::</a:t>
+            </a:r>
+            <a:r>
+              <a:rPr lang="en-US" altLang="ko-KR" dirty="0" err="1"/>
+              <a:t>getName</a:t>
+            </a:r>
+            <a:r>
+              <a:rPr lang="en-US" altLang="ko-KR" dirty="0"/>
+              <a:t>() </a:t>
+            </a:r>
+            <a:r>
+              <a:rPr lang="en-US" altLang="ko-KR" dirty="0" err="1"/>
+              <a:t>const</a:t>
+            </a:r>
+            <a:r>
+              <a:rPr lang="en-US" altLang="ko-KR" dirty="0"/>
+              <a:t> : </a:t>
+            </a:r>
+            <a:r>
+              <a:rPr lang="ko-KR" altLang="en-US" dirty="0"/>
+              <a:t>사람의 </a:t>
+            </a:r>
+            <a:r>
+              <a:rPr lang="en-US" altLang="ko-KR" dirty="0"/>
+              <a:t>name</a:t>
+            </a:r>
+            <a:r>
+              <a:rPr lang="ko-KR" altLang="en-US" dirty="0"/>
+              <a:t>을 반환</a:t>
+            </a:r>
+            <a:endParaRPr lang="en-US" altLang="ko-KR" dirty="0"/>
+          </a:p>
+          <a:p>
+            <a:pPr marL="285750" indent="-285750">
+              <a:lnSpc>
+                <a:spcPct val="150000"/>
+              </a:lnSpc>
+              <a:buFont typeface="Arial" panose="020B0604020202020204" pitchFamily="34" charset="0"/>
+              <a:buChar char="•"/>
+            </a:pPr>
+            <a:r>
+              <a:rPr lang="en-US" altLang="ko-KR" dirty="0"/>
+              <a:t>string Person::</a:t>
+            </a:r>
+            <a:r>
+              <a:rPr lang="en-US" altLang="ko-KR" dirty="0" err="1"/>
+              <a:t>getEmail</a:t>
+            </a:r>
+            <a:r>
+              <a:rPr lang="en-US" altLang="ko-KR" dirty="0"/>
+              <a:t>() </a:t>
+            </a:r>
+            <a:r>
+              <a:rPr lang="en-US" altLang="ko-KR" dirty="0" err="1"/>
+              <a:t>const</a:t>
+            </a:r>
+            <a:r>
+              <a:rPr lang="en-US" altLang="ko-KR" dirty="0"/>
+              <a:t> : </a:t>
+            </a:r>
+            <a:r>
+              <a:rPr lang="ko-KR" altLang="en-US" dirty="0"/>
+              <a:t>사람의 </a:t>
+            </a:r>
+            <a:r>
+              <a:rPr lang="en-US" altLang="ko-KR" dirty="0"/>
+              <a:t>email</a:t>
+            </a:r>
+            <a:r>
+              <a:rPr lang="ko-KR" altLang="en-US" dirty="0"/>
+              <a:t>을 반환</a:t>
+            </a:r>
+            <a:endParaRPr lang="en-US" altLang="ko-KR" dirty="0"/>
+          </a:p>
+          <a:p>
+            <a:pPr marL="285750" indent="-285750">
+              <a:lnSpc>
+                <a:spcPct val="150000"/>
+              </a:lnSpc>
+              <a:buFont typeface="Arial" panose="020B0604020202020204" pitchFamily="34" charset="0"/>
+              <a:buChar char="•"/>
+            </a:pPr>
+            <a:r>
+              <a:rPr lang="en-US" altLang="ko-KR" dirty="0"/>
+              <a:t>void Person::</a:t>
+            </a:r>
+            <a:r>
+              <a:rPr lang="en-US" altLang="ko-KR" dirty="0" err="1"/>
+              <a:t>setName</a:t>
+            </a:r>
+            <a:r>
+              <a:rPr lang="en-US" altLang="ko-KR" dirty="0"/>
+              <a:t>(</a:t>
+            </a:r>
+            <a:r>
+              <a:rPr lang="en-US" altLang="ko-KR" dirty="0" err="1"/>
+              <a:t>const</a:t>
+            </a:r>
+            <a:r>
+              <a:rPr lang="en-US" altLang="ko-KR" dirty="0"/>
+              <a:t> string </a:t>
+            </a:r>
+            <a:r>
+              <a:rPr lang="en-US" altLang="ko-KR" dirty="0" err="1"/>
+              <a:t>new_name</a:t>
+            </a:r>
+            <a:r>
+              <a:rPr lang="en-US" altLang="ko-KR" dirty="0"/>
+              <a:t>) : name</a:t>
+            </a:r>
+            <a:r>
+              <a:rPr lang="ko-KR" altLang="en-US" dirty="0"/>
+              <a:t>을 설정</a:t>
+            </a:r>
+            <a:endParaRPr lang="en-US" altLang="ko-KR" dirty="0"/>
+          </a:p>
+          <a:p>
+            <a:pPr marL="285750" indent="-285750">
+              <a:lnSpc>
+                <a:spcPct val="150000"/>
+              </a:lnSpc>
+              <a:buFont typeface="Arial" panose="020B0604020202020204" pitchFamily="34" charset="0"/>
+              <a:buChar char="•"/>
+            </a:pPr>
+            <a:r>
+              <a:rPr lang="en-US" altLang="ko-KR" dirty="0"/>
+              <a:t>void Person::</a:t>
+            </a:r>
+            <a:r>
+              <a:rPr lang="en-US" altLang="ko-KR" dirty="0" err="1"/>
+              <a:t>setEmail</a:t>
+            </a:r>
+            <a:r>
+              <a:rPr lang="en-US" altLang="ko-KR" dirty="0"/>
+              <a:t>(</a:t>
+            </a:r>
+            <a:r>
+              <a:rPr lang="en-US" altLang="ko-KR" dirty="0" err="1"/>
+              <a:t>const</a:t>
+            </a:r>
+            <a:r>
+              <a:rPr lang="en-US" altLang="ko-KR" dirty="0"/>
+              <a:t> string </a:t>
+            </a:r>
+            <a:r>
+              <a:rPr lang="en-US" altLang="ko-KR" dirty="0" err="1"/>
+              <a:t>new_email</a:t>
+            </a:r>
+            <a:r>
+              <a:rPr lang="en-US" altLang="ko-KR" dirty="0"/>
+              <a:t>) : email</a:t>
+            </a:r>
+            <a:r>
+              <a:rPr lang="ko-KR" altLang="en-US" dirty="0"/>
+              <a:t>을 설정</a:t>
+            </a:r>
+          </a:p>
+        </p:txBody>
+      </p:sp>
+    </p:spTree>
+    <p:extLst>
+      <p:ext uri="{BB962C8B-B14F-4D97-AF65-F5344CB8AC3E}">
+        <p14:creationId xmlns:p14="http://schemas.microsoft.com/office/powerpoint/2010/main" val="2527723743"/>
+      </p:ext>
+    </p:extLst>
+  </p:cSld>
+  <p:clrMapOvr>
+    <a:masterClrMapping/>
+  </p:clrMapOvr>
+</p:sld>
+</file>
+
+<file path=ppt/slides/slide4.xml><?xml version="1.0" encoding="utf-8"?>
+<p:sld xmlns:a="http://schemas.openxmlformats.org/drawingml/2006/main" xmlns:r="http://schemas.openxmlformats.org/officeDocument/2006/relationships" xmlns:p="http://schemas.openxmlformats.org/presentationml/2006/main">
+  <p:cSld>
+    <p:spTree>
+      <p:nvGrpSpPr>
+        <p:cNvPr id="1" name=""/>
+        <p:cNvGrpSpPr/>
+        <p:nvPr/>
+      </p:nvGrpSpPr>
+      <p:grpSpPr>
+        <a:xfrm>
+          <a:off x="0" y="0"/>
+          <a:ext cx="0" cy="0"/>
+          <a:chOff x="0" y="0"/>
+          <a:chExt cx="0" cy="0"/>
+        </a:xfrm>
+      </p:grpSpPr>
+      <p:sp>
+        <p:nvSpPr>
+          <p:cNvPr id="4" name="TextBox 3"/>
+          <p:cNvSpPr txBox="1"/>
+          <p:nvPr/>
+        </p:nvSpPr>
+        <p:spPr>
+          <a:xfrm>
             <a:off x="490330" y="110987"/>
             <a:ext cx="10834761" cy="6417141"/>
           </a:xfrm>
@@ -4771,7 +4918,7 @@
 </p:sld>
 </file>
 
-<file path=ppt/slides/slide4.xml><?xml version="1.0" encoding="utf-8"?>
+<file path=ppt/slides/slide5.xml><?xml version="1.0" encoding="utf-8"?>
 <p:sld xmlns:a="http://schemas.openxmlformats.org/drawingml/2006/main" xmlns:r="http://schemas.openxmlformats.org/officeDocument/2006/relationships" xmlns:p="http://schemas.openxmlformats.org/presentationml/2006/main">
   <p:cSld>
     <p:spTree>
@@ -5196,7 +5343,7 @@
 </p:sld>
 </file>
 
-<file path=ppt/slides/slide5.xml><?xml version="1.0" encoding="utf-8"?>
+<file path=ppt/slides/slide6.xml><?xml version="1.0" encoding="utf-8"?>
 <p:sld xmlns:a="http://schemas.openxmlformats.org/drawingml/2006/main" xmlns:r="http://schemas.openxmlformats.org/officeDocument/2006/relationships" xmlns:p="http://schemas.openxmlformats.org/presentationml/2006/main">
   <p:cSld>
     <p:spTree>
@@ -5515,7 +5662,7 @@
 </p:sld>
 </file>
 
-<file path=ppt/slides/slide6.xml><?xml version="1.0" encoding="utf-8"?>
+<file path=ppt/slides/slide7.xml><?xml version="1.0" encoding="utf-8"?>
 <p:sld xmlns:a="http://schemas.openxmlformats.org/drawingml/2006/main" xmlns:r="http://schemas.openxmlformats.org/officeDocument/2006/relationships" xmlns:p="http://schemas.openxmlformats.org/presentationml/2006/main">
   <p:cSld>
     <p:spTree>
@@ -5970,7 +6117,7 @@
 </p:sld>
 </file>
 
-<file path=ppt/slides/slide7.xml><?xml version="1.0" encoding="utf-8"?>
+<file path=ppt/slides/slide8.xml><?xml version="1.0" encoding="utf-8"?>
 <p:sld xmlns:a="http://schemas.openxmlformats.org/drawingml/2006/main" xmlns:r="http://schemas.openxmlformats.org/officeDocument/2006/relationships" xmlns:p="http://schemas.openxmlformats.org/presentationml/2006/main">
   <p:cSld>
     <p:spTree>
